--- a/notes/welcome.pptx
+++ b/notes/welcome.pptx
@@ -5,23 +5,21 @@
     <p:sldMasterId id="2147483672" r:id="rId1"/>
   </p:sldMasterIdLst>
   <p:notesMasterIdLst>
-    <p:notesMasterId r:id="rId13"/>
+    <p:notesMasterId r:id="rId11"/>
   </p:notesMasterIdLst>
   <p:handoutMasterIdLst>
-    <p:handoutMasterId r:id="rId14"/>
+    <p:handoutMasterId r:id="rId12"/>
   </p:handoutMasterIdLst>
   <p:sldIdLst>
     <p:sldId id="256" r:id="rId2"/>
-    <p:sldId id="297" r:id="rId3"/>
-    <p:sldId id="289" r:id="rId4"/>
-    <p:sldId id="290" r:id="rId5"/>
-    <p:sldId id="294" r:id="rId6"/>
-    <p:sldId id="298" r:id="rId7"/>
-    <p:sldId id="291" r:id="rId8"/>
-    <p:sldId id="292" r:id="rId9"/>
-    <p:sldId id="293" r:id="rId10"/>
-    <p:sldId id="295" r:id="rId11"/>
-    <p:sldId id="296" r:id="rId12"/>
+    <p:sldId id="289" r:id="rId3"/>
+    <p:sldId id="290" r:id="rId4"/>
+    <p:sldId id="294" r:id="rId5"/>
+    <p:sldId id="291" r:id="rId6"/>
+    <p:sldId id="292" r:id="rId7"/>
+    <p:sldId id="293" r:id="rId8"/>
+    <p:sldId id="295" r:id="rId9"/>
+    <p:sldId id="296" r:id="rId10"/>
   </p:sldIdLst>
   <p:sldSz cx="12192000" cy="6858000"/>
   <p:notesSz cx="9144000" cy="6858000"/>
@@ -216,7 +214,7 @@
           <a:p>
             <a:fld id="{8A1B613A-EFF1-404F-BEE8-EFAE84A4E5E2}" type="datetimeFigureOut">
               <a:rPr lang="en-US" smtClean="0"/>
-              <a:t>1/22/22</a:t>
+              <a:t>1/25/2023</a:t>
             </a:fld>
             <a:endParaRPr lang="en-US"/>
           </a:p>
@@ -381,7 +379,7 @@
           <a:p>
             <a:fld id="{690847EA-AC25-3D4E-89E1-FD3F6A9702B6}" type="datetimeFigureOut">
               <a:rPr lang="en-US" smtClean="0"/>
-              <a:t>1/22/22</a:t>
+              <a:t>1/25/2023</a:t>
             </a:fld>
             <a:endParaRPr lang="en-US"/>
           </a:p>
@@ -795,7 +793,7 @@
           <a:p>
             <a:fld id="{BE5295ED-3BAF-1140-8495-3D368771D6B1}" type="datetimeFigureOut">
               <a:rPr lang="en-US" smtClean="0"/>
-              <a:t>1/22/22</a:t>
+              <a:t>1/25/2023</a:t>
             </a:fld>
             <a:endParaRPr lang="en-US"/>
           </a:p>
@@ -993,7 +991,7 @@
           <a:p>
             <a:fld id="{BE5295ED-3BAF-1140-8495-3D368771D6B1}" type="datetimeFigureOut">
               <a:rPr lang="en-US" smtClean="0"/>
-              <a:t>1/22/22</a:t>
+              <a:t>1/25/2023</a:t>
             </a:fld>
             <a:endParaRPr lang="en-US"/>
           </a:p>
@@ -1201,7 +1199,7 @@
           <a:p>
             <a:fld id="{BE5295ED-3BAF-1140-8495-3D368771D6B1}" type="datetimeFigureOut">
               <a:rPr lang="en-US" smtClean="0"/>
-              <a:t>1/22/22</a:t>
+              <a:t>1/25/2023</a:t>
             </a:fld>
             <a:endParaRPr lang="en-US"/>
           </a:p>
@@ -1399,7 +1397,7 @@
           <a:p>
             <a:fld id="{BE5295ED-3BAF-1140-8495-3D368771D6B1}" type="datetimeFigureOut">
               <a:rPr lang="en-US" smtClean="0"/>
-              <a:t>1/22/22</a:t>
+              <a:t>1/25/2023</a:t>
             </a:fld>
             <a:endParaRPr lang="en-US"/>
           </a:p>
@@ -1674,7 +1672,7 @@
           <a:p>
             <a:fld id="{BE5295ED-3BAF-1140-8495-3D368771D6B1}" type="datetimeFigureOut">
               <a:rPr lang="en-US" smtClean="0"/>
-              <a:t>1/22/22</a:t>
+              <a:t>1/25/2023</a:t>
             </a:fld>
             <a:endParaRPr lang="en-US"/>
           </a:p>
@@ -1939,7 +1937,7 @@
           <a:p>
             <a:fld id="{BE5295ED-3BAF-1140-8495-3D368771D6B1}" type="datetimeFigureOut">
               <a:rPr lang="en-US" smtClean="0"/>
-              <a:t>1/22/22</a:t>
+              <a:t>1/25/2023</a:t>
             </a:fld>
             <a:endParaRPr lang="en-US"/>
           </a:p>
@@ -2351,7 +2349,7 @@
           <a:p>
             <a:fld id="{BE5295ED-3BAF-1140-8495-3D368771D6B1}" type="datetimeFigureOut">
               <a:rPr lang="en-US" smtClean="0"/>
-              <a:t>1/22/22</a:t>
+              <a:t>1/25/2023</a:t>
             </a:fld>
             <a:endParaRPr lang="en-US"/>
           </a:p>
@@ -2492,7 +2490,7 @@
           <a:p>
             <a:fld id="{BE5295ED-3BAF-1140-8495-3D368771D6B1}" type="datetimeFigureOut">
               <a:rPr lang="en-US" smtClean="0"/>
-              <a:t>1/22/22</a:t>
+              <a:t>1/25/2023</a:t>
             </a:fld>
             <a:endParaRPr lang="en-US"/>
           </a:p>
@@ -2605,7 +2603,7 @@
           <a:p>
             <a:fld id="{BE5295ED-3BAF-1140-8495-3D368771D6B1}" type="datetimeFigureOut">
               <a:rPr lang="en-US" smtClean="0"/>
-              <a:t>1/22/22</a:t>
+              <a:t>1/25/2023</a:t>
             </a:fld>
             <a:endParaRPr lang="en-US"/>
           </a:p>
@@ -2916,7 +2914,7 @@
           <a:p>
             <a:fld id="{BE5295ED-3BAF-1140-8495-3D368771D6B1}" type="datetimeFigureOut">
               <a:rPr lang="en-US" smtClean="0"/>
-              <a:t>1/22/22</a:t>
+              <a:t>1/25/2023</a:t>
             </a:fld>
             <a:endParaRPr lang="en-US"/>
           </a:p>
@@ -3207,7 +3205,7 @@
           <a:p>
             <a:fld id="{BE5295ED-3BAF-1140-8495-3D368771D6B1}" type="datetimeFigureOut">
               <a:rPr lang="en-US" smtClean="0"/>
-              <a:t>1/22/22</a:t>
+              <a:t>1/25/2023</a:t>
             </a:fld>
             <a:endParaRPr lang="en-US"/>
           </a:p>
@@ -3448,7 +3446,7 @@
           <a:p>
             <a:fld id="{BE5295ED-3BAF-1140-8495-3D368771D6B1}" type="datetimeFigureOut">
               <a:rPr lang="en-US" smtClean="0"/>
-              <a:t>1/22/22</a:t>
+              <a:t>1/25/2023</a:t>
             </a:fld>
             <a:endParaRPr lang="en-US"/>
           </a:p>
@@ -4006,7 +4004,7 @@
           <a:p>
             <a:r>
               <a:rPr lang="en-US" dirty="0"/>
-              <a:t>Terence Parr</a:t>
+              <a:t>Mustafa Hajij</a:t>
             </a:r>
           </a:p>
           <a:p>
@@ -4029,237 +4027,6 @@
     <p:extLst>
       <p:ext uri="{BB962C8B-B14F-4D97-AF65-F5344CB8AC3E}">
         <p14:creationId xmlns:p14="http://schemas.microsoft.com/office/powerpoint/2010/main" val="1593366124"/>
-      </p:ext>
-    </p:extLst>
-  </p:cSld>
-  <p:clrMapOvr>
-    <a:masterClrMapping/>
-  </p:clrMapOvr>
-</p:sld>
-</file>
-
-<file path=ppt/slides/slide10.xml><?xml version="1.0" encoding="utf-8"?>
-<p:sld xmlns:a="http://schemas.openxmlformats.org/drawingml/2006/main" xmlns:r="http://schemas.openxmlformats.org/officeDocument/2006/relationships" xmlns:p="http://schemas.openxmlformats.org/presentationml/2006/main">
-  <p:cSld>
-    <p:spTree>
-      <p:nvGrpSpPr>
-        <p:cNvPr id="1" name=""/>
-        <p:cNvGrpSpPr/>
-        <p:nvPr/>
-      </p:nvGrpSpPr>
-      <p:grpSpPr>
-        <a:xfrm>
-          <a:off x="0" y="0"/>
-          <a:ext cx="0" cy="0"/>
-          <a:chOff x="0" y="0"/>
-          <a:chExt cx="0" cy="0"/>
-        </a:xfrm>
-      </p:grpSpPr>
-      <p:sp>
-        <p:nvSpPr>
-          <p:cNvPr id="2" name="Title 1"/>
-          <p:cNvSpPr>
-            <a:spLocks noGrp="1"/>
-          </p:cNvSpPr>
-          <p:nvPr>
-            <p:ph type="title"/>
-          </p:nvPr>
-        </p:nvSpPr>
-        <p:spPr/>
-        <p:txBody>
-          <a:bodyPr/>
-          <a:lstStyle/>
-          <a:p>
-            <a:r>
-              <a:rPr lang="en-US" dirty="0"/>
-              <a:t>Why this course, why now?</a:t>
-            </a:r>
-          </a:p>
-        </p:txBody>
-      </p:sp>
-      <p:sp>
-        <p:nvSpPr>
-          <p:cNvPr id="3" name="Content Placeholder 2"/>
-          <p:cNvSpPr>
-            <a:spLocks noGrp="1"/>
-          </p:cNvSpPr>
-          <p:nvPr>
-            <p:ph idx="1"/>
-          </p:nvPr>
-        </p:nvSpPr>
-        <p:spPr/>
-        <p:txBody>
-          <a:bodyPr>
-            <a:normAutofit fontScale="92500"/>
-          </a:bodyPr>
-          <a:lstStyle/>
-          <a:p>
-            <a:r>
-              <a:rPr lang="en-US" dirty="0"/>
-              <a:t>At least for the moment, many of the people interviewing you will be programmers, pretending to be data scientists</a:t>
-            </a:r>
-          </a:p>
-          <a:p>
-            <a:r>
-              <a:rPr lang="en-US" dirty="0"/>
-              <a:t>What do they know? Programming, data structures, and algorithms</a:t>
-            </a:r>
-          </a:p>
-          <a:p>
-            <a:r>
-              <a:rPr lang="en-US" dirty="0"/>
-              <a:t>Being able to organize data within a machine or across machines is a key skill for a data scientist</a:t>
-            </a:r>
-          </a:p>
-          <a:p>
-            <a:r>
-              <a:rPr lang="en-US" dirty="0"/>
-              <a:t>The larger the data, the more critical it is to understand how to measure algorithm performance and how to design efficient solutions</a:t>
-            </a:r>
-          </a:p>
-          <a:p>
-            <a:r>
-              <a:rPr lang="en-US" dirty="0"/>
-              <a:t>Optimally, you'd get this course much earlier, but the timing is good for your interviewing and was only spot we could jam this course in</a:t>
-            </a:r>
-          </a:p>
-        </p:txBody>
-      </p:sp>
-    </p:spTree>
-    <p:extLst>
-      <p:ext uri="{BB962C8B-B14F-4D97-AF65-F5344CB8AC3E}">
-        <p14:creationId xmlns:p14="http://schemas.microsoft.com/office/powerpoint/2010/main" val="283662686"/>
-      </p:ext>
-    </p:extLst>
-  </p:cSld>
-  <p:clrMapOvr>
-    <a:masterClrMapping/>
-  </p:clrMapOvr>
-</p:sld>
-</file>
-
-<file path=ppt/slides/slide11.xml><?xml version="1.0" encoding="utf-8"?>
-<p:sld xmlns:a="http://schemas.openxmlformats.org/drawingml/2006/main" xmlns:r="http://schemas.openxmlformats.org/officeDocument/2006/relationships" xmlns:p="http://schemas.openxmlformats.org/presentationml/2006/main">
-  <p:cSld>
-    <p:spTree>
-      <p:nvGrpSpPr>
-        <p:cNvPr id="1" name=""/>
-        <p:cNvGrpSpPr/>
-        <p:nvPr/>
-      </p:nvGrpSpPr>
-      <p:grpSpPr>
-        <a:xfrm>
-          <a:off x="0" y="0"/>
-          <a:ext cx="0" cy="0"/>
-          <a:chOff x="0" y="0"/>
-          <a:chExt cx="0" cy="0"/>
-        </a:xfrm>
-      </p:grpSpPr>
-      <p:sp>
-        <p:nvSpPr>
-          <p:cNvPr id="2" name="Title 1">
-            <a:extLst>
-              <a:ext uri="{FF2B5EF4-FFF2-40B4-BE49-F238E27FC236}">
-                <a16:creationId xmlns:a16="http://schemas.microsoft.com/office/drawing/2014/main" id="{9BBBCF96-25AA-2749-8534-EA1EB2BC8095}"/>
-              </a:ext>
-            </a:extLst>
-          </p:cNvPr>
-          <p:cNvSpPr>
-            <a:spLocks noGrp="1"/>
-          </p:cNvSpPr>
-          <p:nvPr>
-            <p:ph type="title"/>
-          </p:nvPr>
-        </p:nvSpPr>
-        <p:spPr/>
-        <p:txBody>
-          <a:bodyPr/>
-          <a:lstStyle/>
-          <a:p>
-            <a:r>
-              <a:rPr lang="en-US" dirty="0"/>
-              <a:t>How to get a job</a:t>
-            </a:r>
-          </a:p>
-        </p:txBody>
-      </p:sp>
-      <p:sp>
-        <p:nvSpPr>
-          <p:cNvPr id="3" name="Content Placeholder 2">
-            <a:extLst>
-              <a:ext uri="{FF2B5EF4-FFF2-40B4-BE49-F238E27FC236}">
-                <a16:creationId xmlns:a16="http://schemas.microsoft.com/office/drawing/2014/main" id="{CDCEDE7F-D038-AC4C-A6AA-55B52F04C47A}"/>
-              </a:ext>
-            </a:extLst>
-          </p:cNvPr>
-          <p:cNvSpPr>
-            <a:spLocks noGrp="1"/>
-          </p:cNvSpPr>
-          <p:nvPr>
-            <p:ph idx="1"/>
-          </p:nvPr>
-        </p:nvSpPr>
-        <p:spPr/>
-        <p:txBody>
-          <a:bodyPr/>
-          <a:lstStyle/>
-          <a:p>
-            <a:pPr marL="514350" indent="-514350">
-              <a:buFont typeface="+mj-lt"/>
-              <a:buAutoNum type="arabicPeriod"/>
-            </a:pPr>
-            <a:r>
-              <a:rPr lang="en-US" dirty="0"/>
-              <a:t>Be accomplished, be interesting</a:t>
-            </a:r>
-          </a:p>
-          <a:p>
-            <a:pPr marL="514350" indent="-514350">
-              <a:buFont typeface="+mj-lt"/>
-              <a:buAutoNum type="arabicPeriod"/>
-            </a:pPr>
-            <a:r>
-              <a:rPr lang="en-US" dirty="0"/>
-              <a:t>Know lots of people</a:t>
-            </a:r>
-          </a:p>
-          <a:p>
-            <a:pPr marL="514350" indent="-514350">
-              <a:buFont typeface="+mj-lt"/>
-              <a:buAutoNum type="arabicPeriod"/>
-            </a:pPr>
-            <a:r>
-              <a:rPr lang="en-US" dirty="0"/>
-              <a:t>Mine social network looking for job</a:t>
-            </a:r>
-          </a:p>
-          <a:p>
-            <a:endParaRPr lang="en-US" dirty="0"/>
-          </a:p>
-          <a:p>
-            <a:r>
-              <a:rPr lang="en-US" dirty="0"/>
-              <a:t>When that fails or simultaneously</a:t>
-            </a:r>
-          </a:p>
-          <a:p>
-            <a:pPr lvl="1"/>
-            <a:r>
-              <a:rPr lang="en-US" dirty="0"/>
-              <a:t>Cold apply to jobs via </a:t>
-            </a:r>
-            <a:r>
-              <a:rPr lang="en-US"/>
-              <a:t>the web (a lot!)</a:t>
-            </a:r>
-            <a:endParaRPr lang="en-US" dirty="0"/>
-          </a:p>
-        </p:txBody>
-      </p:sp>
-    </p:spTree>
-    <p:extLst>
-      <p:ext uri="{BB962C8B-B14F-4D97-AF65-F5344CB8AC3E}">
-        <p14:creationId xmlns:p14="http://schemas.microsoft.com/office/powerpoint/2010/main" val="852383661"/>
       </p:ext>
     </p:extLst>
   </p:cSld>
@@ -4288,13 +4055,7 @@
       </p:grpSpPr>
       <p:sp>
         <p:nvSpPr>
-          <p:cNvPr id="2" name="Title 1">
-            <a:extLst>
-              <a:ext uri="{FF2B5EF4-FFF2-40B4-BE49-F238E27FC236}">
-                <a16:creationId xmlns:a16="http://schemas.microsoft.com/office/drawing/2014/main" id="{12AD6CF0-AD4B-BF49-B847-96C0B69FBC6F}"/>
-              </a:ext>
-            </a:extLst>
-          </p:cNvPr>
+          <p:cNvPr id="2" name="Title 1"/>
           <p:cNvSpPr>
             <a:spLocks noGrp="1"/>
           </p:cNvSpPr>
@@ -4309,62 +4070,120 @@
           <a:p>
             <a:r>
               <a:rPr lang="en-US" dirty="0"/>
-              <a:t>From former cohort student</a:t>
-            </a:r>
-          </a:p>
-        </p:txBody>
-      </p:sp>
-      <p:pic>
-        <p:nvPicPr>
-          <p:cNvPr id="4" name="Picture 2">
-            <a:extLst>
-              <a:ext uri="{FF2B5EF4-FFF2-40B4-BE49-F238E27FC236}">
-                <a16:creationId xmlns:a16="http://schemas.microsoft.com/office/drawing/2014/main" id="{EF26E0AB-FBD1-F746-8CB9-4C963E01510F}"/>
-              </a:ext>
-            </a:extLst>
-          </p:cNvPr>
-          <p:cNvPicPr>
-            <a:picLocks noChangeAspect="1" noChangeArrowheads="1"/>
-          </p:cNvPicPr>
+              <a:t>Course contents</a:t>
+            </a:r>
+          </a:p>
+        </p:txBody>
+      </p:sp>
+      <p:sp>
+        <p:nvSpPr>
+          <p:cNvPr id="3" name="Content Placeholder 2"/>
+          <p:cNvSpPr>
+            <a:spLocks noGrp="1"/>
+          </p:cNvSpPr>
+          <p:nvPr>
+            <p:ph idx="1"/>
+          </p:nvPr>
+        </p:nvSpPr>
+        <p:spPr/>
+        <p:txBody>
+          <a:bodyPr/>
+          <a:lstStyle/>
+          <a:p>
+            <a:r>
+              <a:rPr lang="en-US" dirty="0"/>
+              <a:t>How to read code</a:t>
+            </a:r>
+          </a:p>
+          <a:p>
+            <a:r>
+              <a:rPr lang="en-US" dirty="0"/>
+              <a:t>A formula for problem-solving simple algorithm problems</a:t>
+            </a:r>
+          </a:p>
+          <a:p>
+            <a:r>
+              <a:rPr lang="en-US" dirty="0"/>
+              <a:t>Core data structures, a unifying perspective</a:t>
+            </a:r>
+          </a:p>
+          <a:p>
+            <a:r>
+              <a:rPr lang="en-US" dirty="0"/>
+              <a:t>Algorithm complexity analysis</a:t>
+            </a:r>
+          </a:p>
+          <a:p>
+            <a:r>
+              <a:rPr lang="en-US" dirty="0" err="1"/>
+              <a:t>Recusion</a:t>
+            </a:r>
+            <a:endParaRPr lang="en-US" dirty="0"/>
+          </a:p>
+          <a:p>
+            <a:r>
+              <a:rPr lang="en-US" dirty="0"/>
+              <a:t>Walking and searching data structures</a:t>
+            </a:r>
+          </a:p>
+          <a:p>
+            <a:r>
+              <a:rPr lang="en-US" dirty="0"/>
+              <a:t>Sorting (with all of my dirty tricks)</a:t>
+            </a:r>
+          </a:p>
+          <a:p>
+            <a:r>
+              <a:rPr lang="en-US" dirty="0"/>
+              <a:t>Graphs and graph algorithms</a:t>
+            </a:r>
+          </a:p>
+          <a:p>
+            <a:endParaRPr lang="en-US" dirty="0"/>
+          </a:p>
+        </p:txBody>
+      </p:sp>
+      <p:sp>
+        <p:nvSpPr>
+          <p:cNvPr id="4" name="Rectangle 3"/>
+          <p:cNvSpPr/>
           <p:nvPr/>
-        </p:nvPicPr>
-        <p:blipFill>
-          <a:blip r:embed="rId2">
-            <a:extLst>
-              <a:ext uri="{28A0092B-C50C-407E-A947-70E740481C1C}">
-                <a14:useLocalDpi xmlns:a14="http://schemas.microsoft.com/office/drawing/2010/main" val="0"/>
-              </a:ext>
-            </a:extLst>
-          </a:blip>
-          <a:srcRect/>
-          <a:stretch>
-            <a:fillRect/>
-          </a:stretch>
-        </p:blipFill>
-        <p:spPr bwMode="auto">
+        </p:nvSpPr>
+        <p:spPr>
           <a:xfrm>
-            <a:off x="1674902" y="2256182"/>
-            <a:ext cx="8433195" cy="2974249"/>
+            <a:off x="6096000" y="797073"/>
+            <a:ext cx="4666662" cy="461665"/>
           </a:xfrm>
           <a:prstGeom prst="rect">
             <a:avLst/>
           </a:prstGeom>
-          <a:noFill/>
-          <a:extLst>
-            <a:ext uri="{909E8E84-426E-40DD-AFC4-6F175D3DCCD1}">
-              <a14:hiddenFill xmlns:a14="http://schemas.microsoft.com/office/drawing/2010/main">
-                <a:solidFill>
-                  <a:srgbClr val="FFFFFF"/>
-                </a:solidFill>
-              </a14:hiddenFill>
-            </a:ext>
-          </a:extLst>
         </p:spPr>
-      </p:pic>
+        <p:txBody>
+          <a:bodyPr wrap="none">
+            <a:spAutoFit/>
+          </a:bodyPr>
+          <a:lstStyle/>
+          <a:p>
+            <a:r>
+              <a:rPr lang="en-US" sz="2400">
+                <a:hlinkClick r:id="rId2"/>
+              </a:rPr>
+              <a:t>https</a:t>
+            </a:r>
+            <a:r>
+              <a:rPr lang="en-US" sz="2400" dirty="0">
+                <a:hlinkClick r:id="rId2"/>
+              </a:rPr>
+              <a:t>://github.com/parrt/msds689</a:t>
+            </a:r>
+            <a:endParaRPr lang="en-US" sz="2400" dirty="0"/>
+          </a:p>
+        </p:txBody>
+      </p:sp>
     </p:spTree>
     <p:extLst>
       <p:ext uri="{BB962C8B-B14F-4D97-AF65-F5344CB8AC3E}">
-        <p14:creationId xmlns:p14="http://schemas.microsoft.com/office/powerpoint/2010/main" val="3353482520"/>
+        <p14:creationId xmlns:p14="http://schemas.microsoft.com/office/powerpoint/2010/main" val="317963212"/>
       </p:ext>
     </p:extLst>
   </p:cSld>
@@ -4401,142 +4220,155 @@
             <p:ph type="title"/>
           </p:nvPr>
         </p:nvSpPr>
-        <p:spPr/>
-        <p:txBody>
-          <a:bodyPr/>
-          <a:lstStyle/>
-          <a:p>
-            <a:r>
-              <a:rPr lang="en-US" dirty="0"/>
-              <a:t>Course contents</a:t>
-            </a:r>
-          </a:p>
-        </p:txBody>
-      </p:sp>
-      <p:sp>
-        <p:nvSpPr>
-          <p:cNvPr id="3" name="Content Placeholder 2"/>
-          <p:cNvSpPr>
-            <a:spLocks noGrp="1"/>
-          </p:cNvSpPr>
-          <p:nvPr>
-            <p:ph idx="1"/>
-          </p:nvPr>
-        </p:nvSpPr>
-        <p:spPr/>
-        <p:txBody>
-          <a:bodyPr/>
-          <a:lstStyle/>
-          <a:p>
-            <a:r>
-              <a:rPr lang="en-US" dirty="0"/>
-              <a:t>How to read code</a:t>
-            </a:r>
-          </a:p>
-          <a:p>
-            <a:r>
-              <a:rPr lang="en-US" dirty="0"/>
-              <a:t>A formula for problem-solving simple algorithm problems</a:t>
-            </a:r>
-          </a:p>
-          <a:p>
-            <a:r>
-              <a:rPr lang="en-US" dirty="0"/>
-              <a:t>Core data structures, a unifying perspective</a:t>
-            </a:r>
-          </a:p>
-          <a:p>
-            <a:r>
-              <a:rPr lang="en-US" dirty="0"/>
-              <a:t>Algorithm complexity analysis</a:t>
-            </a:r>
-          </a:p>
-          <a:p>
-            <a:r>
-              <a:rPr lang="en-US" dirty="0"/>
-              <a:t>“</a:t>
-            </a:r>
-            <a:r>
-              <a:rPr lang="en-US" i="1" dirty="0"/>
-              <a:t>So much recursion!</a:t>
-            </a:r>
-            <a:r>
-              <a:rPr lang="en-US" dirty="0"/>
-              <a:t>” </a:t>
-            </a:r>
-            <a:r>
-              <a:rPr lang="mr-IN" dirty="0"/>
-              <a:t>–</a:t>
-            </a:r>
-            <a:r>
-              <a:rPr lang="en-US" dirty="0"/>
-              <a:t> MSDS2019 student comment</a:t>
-            </a:r>
-          </a:p>
-          <a:p>
-            <a:r>
-              <a:rPr lang="en-US" dirty="0"/>
-              <a:t>Walking and searching data structures</a:t>
-            </a:r>
-          </a:p>
-          <a:p>
-            <a:r>
-              <a:rPr lang="en-US" dirty="0"/>
-              <a:t>Sorting (with all of my dirty tricks)</a:t>
-            </a:r>
-          </a:p>
-          <a:p>
-            <a:r>
-              <a:rPr lang="en-US" dirty="0"/>
-              <a:t>Graphs and graph algorithms</a:t>
-            </a:r>
-          </a:p>
-          <a:p>
-            <a:endParaRPr lang="en-US" dirty="0"/>
-          </a:p>
-        </p:txBody>
-      </p:sp>
-      <p:sp>
-        <p:nvSpPr>
-          <p:cNvPr id="4" name="Rectangle 3"/>
-          <p:cNvSpPr/>
-          <p:nvPr/>
-        </p:nvSpPr>
         <p:spPr>
           <a:xfrm>
-            <a:off x="6096000" y="797073"/>
-            <a:ext cx="4666662" cy="461665"/>
+            <a:off x="838200" y="365125"/>
+            <a:ext cx="10515600" cy="832627"/>
           </a:xfrm>
-          <a:prstGeom prst="rect">
-            <a:avLst/>
-          </a:prstGeom>
         </p:spPr>
         <p:txBody>
-          <a:bodyPr wrap="none">
-            <a:spAutoFit/>
+          <a:bodyPr/>
+          <a:lstStyle/>
+          <a:p>
+            <a:r>
+              <a:rPr lang="en-US" dirty="0"/>
+              <a:t>Course projects</a:t>
+            </a:r>
+          </a:p>
+        </p:txBody>
+      </p:sp>
+      <p:sp>
+        <p:nvSpPr>
+          <p:cNvPr id="3" name="Content Placeholder 2"/>
+          <p:cNvSpPr>
+            <a:spLocks noGrp="1"/>
+          </p:cNvSpPr>
+          <p:nvPr>
+            <p:ph idx="1"/>
+          </p:nvPr>
+        </p:nvSpPr>
+        <p:spPr>
+          <a:xfrm>
+            <a:off x="838200" y="1303506"/>
+            <a:ext cx="10515600" cy="4873457"/>
+          </a:xfrm>
+        </p:spPr>
+        <p:txBody>
+          <a:bodyPr>
+            <a:normAutofit/>
           </a:bodyPr>
           <a:lstStyle/>
           <a:p>
             <a:r>
-              <a:rPr lang="en-US" sz="2400">
-                <a:hlinkClick r:id="rId2"/>
-              </a:rPr>
-              <a:t>https</a:t>
-            </a:r>
-            <a:r>
-              <a:rPr lang="en-US" sz="2400" dirty="0">
-                <a:hlinkClick r:id="rId2"/>
-              </a:rPr>
-              <a:t>://github.com/parrt/msds689</a:t>
-            </a:r>
-            <a:endParaRPr lang="en-US" sz="2400" dirty="0"/>
+              <a:rPr lang="en-US" dirty="0"/>
+              <a:t>Convert </a:t>
+            </a:r>
+            <a:r>
+              <a:rPr lang="en-US" dirty="0" err="1"/>
+              <a:t>htable</a:t>
+            </a:r>
+            <a:r>
+              <a:rPr lang="en-US" dirty="0"/>
+              <a:t> project to object-oriented version (8%)</a:t>
+            </a:r>
+          </a:p>
+          <a:p>
+            <a:pPr lvl="1"/>
+            <a:r>
+              <a:rPr lang="en-US" dirty="0"/>
+              <a:t>With some extensions</a:t>
+            </a:r>
+          </a:p>
+          <a:p>
+            <a:pPr lvl="1"/>
+            <a:r>
+              <a:rPr lang="mr-IN" dirty="0"/>
+              <a:t>…</a:t>
+            </a:r>
+            <a:r>
+              <a:rPr lang="en-US" dirty="0"/>
+              <a:t>and using somebody else’s code from two years ago!</a:t>
+            </a:r>
+          </a:p>
+          <a:p>
+            <a:pPr lvl="1"/>
+            <a:r>
+              <a:rPr lang="en-US" dirty="0"/>
+              <a:t>hint: it’s </a:t>
+            </a:r>
+            <a:r>
+              <a:rPr lang="en-US" dirty="0" err="1"/>
+              <a:t>kinda</a:t>
+            </a:r>
+            <a:r>
+              <a:rPr lang="en-US" dirty="0"/>
+              <a:t> stinky code. ha!</a:t>
+            </a:r>
+          </a:p>
+          <a:p>
+            <a:r>
+              <a:rPr lang="en-US" dirty="0" err="1"/>
+              <a:t>kmeans</a:t>
+            </a:r>
+            <a:r>
+              <a:rPr lang="en-US" dirty="0"/>
+              <a:t> clustering, </a:t>
+            </a:r>
+            <a:r>
+              <a:rPr lang="en-US" dirty="0" err="1"/>
+              <a:t>kmeans</a:t>
+            </a:r>
+            <a:r>
+              <a:rPr lang="en-US" dirty="0"/>
+              <a:t>++ initial point selection (17%)</a:t>
+            </a:r>
+          </a:p>
+          <a:p>
+            <a:pPr lvl="1"/>
+            <a:r>
+              <a:rPr lang="en-US" dirty="0"/>
+              <a:t>Spectral clustering, …</a:t>
+            </a:r>
+          </a:p>
+          <a:p>
+            <a:pPr lvl="1"/>
+            <a:r>
+              <a:rPr lang="en-US" dirty="0"/>
+              <a:t>Image compression applications</a:t>
+            </a:r>
+          </a:p>
+          <a:p>
+            <a:r>
+              <a:rPr lang="en-US" dirty="0"/>
+              <a:t>Feature importance and selection (20%)</a:t>
+            </a:r>
+          </a:p>
+          <a:p>
+            <a:pPr lvl="1"/>
+            <a:r>
+              <a:rPr lang="en-US" dirty="0"/>
+              <a:t>MRMR, Permutation, and drop column, …</a:t>
+            </a:r>
+          </a:p>
+          <a:p>
+            <a:pPr lvl="1"/>
+            <a:r>
+              <a:rPr lang="en-US" dirty="0"/>
+              <a:t>Automatic feature selection</a:t>
+            </a:r>
+          </a:p>
+          <a:p>
+            <a:pPr marL="457200" lvl="1" indent="0">
+              <a:buNone/>
+            </a:pPr>
+            <a:endParaRPr lang="en-US" dirty="0"/>
           </a:p>
         </p:txBody>
       </p:sp>
     </p:spTree>
     <p:extLst>
       <p:ext uri="{BB962C8B-B14F-4D97-AF65-F5344CB8AC3E}">
-        <p14:creationId xmlns:p14="http://schemas.microsoft.com/office/powerpoint/2010/main" val="317963212"/>
+        <p14:creationId xmlns:p14="http://schemas.microsoft.com/office/powerpoint/2010/main" val="1369372679"/>
       </p:ext>
     </p:extLst>
   </p:cSld>
@@ -4573,249 +4405,24 @@
             <p:ph type="title"/>
           </p:nvPr>
         </p:nvSpPr>
-        <p:spPr>
-          <a:xfrm>
-            <a:off x="838200" y="365125"/>
-            <a:ext cx="10515600" cy="832627"/>
-          </a:xfrm>
-        </p:spPr>
+        <p:spPr/>
         <p:txBody>
           <a:bodyPr/>
           <a:lstStyle/>
           <a:p>
             <a:r>
               <a:rPr lang="en-US" dirty="0"/>
-              <a:t>Course projects</a:t>
-            </a:r>
-          </a:p>
-        </p:txBody>
-      </p:sp>
-      <p:sp>
-        <p:nvSpPr>
-          <p:cNvPr id="3" name="Content Placeholder 2"/>
-          <p:cNvSpPr>
-            <a:spLocks noGrp="1"/>
-          </p:cNvSpPr>
-          <p:nvPr>
-            <p:ph idx="1"/>
-          </p:nvPr>
-        </p:nvSpPr>
-        <p:spPr>
-          <a:xfrm>
-            <a:off x="838200" y="1303506"/>
-            <a:ext cx="10515600" cy="4873457"/>
-          </a:xfrm>
-        </p:spPr>
-        <p:txBody>
-          <a:bodyPr>
-            <a:normAutofit lnSpcReduction="10000"/>
-          </a:bodyPr>
-          <a:lstStyle/>
-          <a:p>
-            <a:r>
-              <a:rPr lang="en-US" dirty="0"/>
-              <a:t>Convert </a:t>
-            </a:r>
-            <a:r>
-              <a:rPr lang="en-US" dirty="0" err="1"/>
-              <a:t>htable</a:t>
-            </a:r>
-            <a:r>
-              <a:rPr lang="en-US" dirty="0"/>
-              <a:t> project to object-oriented version (8%)</a:t>
-            </a:r>
-          </a:p>
-          <a:p>
-            <a:pPr lvl="1"/>
-            <a:r>
-              <a:rPr lang="en-US" dirty="0"/>
-              <a:t>With some extensions</a:t>
-            </a:r>
-          </a:p>
-          <a:p>
-            <a:pPr lvl="1"/>
-            <a:r>
-              <a:rPr lang="mr-IN" dirty="0"/>
-              <a:t>…</a:t>
-            </a:r>
-            <a:r>
-              <a:rPr lang="en-US" dirty="0"/>
-              <a:t>and using somebody else’s code from two years ago!</a:t>
-            </a:r>
-          </a:p>
-          <a:p>
-            <a:pPr lvl="1"/>
-            <a:r>
-              <a:rPr lang="en-US" dirty="0"/>
-              <a:t>hint: it’s </a:t>
-            </a:r>
-            <a:r>
-              <a:rPr lang="en-US" dirty="0" err="1"/>
-              <a:t>kinda</a:t>
-            </a:r>
-            <a:r>
-              <a:rPr lang="en-US" dirty="0"/>
-              <a:t> stinky code. ha!</a:t>
-            </a:r>
-          </a:p>
-          <a:p>
-            <a:r>
-              <a:rPr lang="en-US" dirty="0" err="1"/>
-              <a:t>kmeans</a:t>
-            </a:r>
-            <a:r>
-              <a:rPr lang="en-US" dirty="0"/>
-              <a:t> clustering, </a:t>
-            </a:r>
-            <a:r>
-              <a:rPr lang="en-US" dirty="0" err="1"/>
-              <a:t>kmeans</a:t>
-            </a:r>
-            <a:r>
-              <a:rPr lang="en-US" dirty="0"/>
-              <a:t>++ initial point selection (17%)</a:t>
-            </a:r>
-          </a:p>
-          <a:p>
-            <a:pPr lvl="1"/>
-            <a:r>
-              <a:rPr lang="en-US" dirty="0"/>
-              <a:t>Spectral clustering, …</a:t>
-            </a:r>
-          </a:p>
-          <a:p>
-            <a:pPr lvl="1"/>
-            <a:r>
-              <a:rPr lang="en-US" dirty="0"/>
-              <a:t>Image compression applications</a:t>
-            </a:r>
-          </a:p>
-          <a:p>
-            <a:r>
-              <a:rPr lang="en-US" dirty="0"/>
-              <a:t>Feature importance and selection (20%)</a:t>
-            </a:r>
-          </a:p>
-          <a:p>
-            <a:pPr lvl="1"/>
-            <a:r>
-              <a:rPr lang="en-US" dirty="0"/>
-              <a:t>MRMR, Permutation, and drop column, …</a:t>
-            </a:r>
-          </a:p>
-          <a:p>
-            <a:pPr lvl="1"/>
-            <a:r>
-              <a:rPr lang="en-US" dirty="0"/>
-              <a:t>Automatic feature selection</a:t>
-            </a:r>
-          </a:p>
-          <a:p>
-            <a:r>
-              <a:rPr lang="en-US" dirty="0"/>
-              <a:t>Work as hard or as little as you want (I give no unit tests)</a:t>
-            </a:r>
-          </a:p>
-          <a:p>
-            <a:pPr lvl="1"/>
-            <a:r>
-              <a:rPr lang="en-US" dirty="0"/>
-              <a:t>I will assign check, check-, check-- based upon your reports</a:t>
-            </a:r>
-          </a:p>
-          <a:p>
-            <a:pPr lvl="1"/>
-            <a:endParaRPr lang="en-US" dirty="0"/>
-          </a:p>
-        </p:txBody>
-      </p:sp>
-      <p:sp>
-        <p:nvSpPr>
-          <p:cNvPr id="4" name="TextBox 3"/>
-          <p:cNvSpPr txBox="1"/>
-          <p:nvPr/>
-        </p:nvSpPr>
-        <p:spPr>
-          <a:xfrm>
-            <a:off x="838200" y="6119336"/>
-            <a:ext cx="6219972" cy="738664"/>
-          </a:xfrm>
-          <a:prstGeom prst="rect">
-            <a:avLst/>
-          </a:prstGeom>
-          <a:noFill/>
-        </p:spPr>
-        <p:txBody>
-          <a:bodyPr wrap="none" rtlCol="0">
-            <a:spAutoFit/>
-          </a:bodyPr>
-          <a:lstStyle/>
-          <a:p>
-            <a:r>
-              <a:rPr lang="en-US" sz="1400" dirty="0">
-                <a:hlinkClick r:id="rId2"/>
-              </a:rPr>
-              <a:t>https://github.com/parrt/msds689/blob/master/projects/oohtable/oohtable.md</a:t>
-            </a:r>
-          </a:p>
-          <a:p>
-            <a:r>
-              <a:rPr lang="en-US" sz="1400" dirty="0">
-                <a:hlinkClick r:id="rId2"/>
-              </a:rPr>
-              <a:t>https://github.com/parrt/msds689/blob/master/projects/kmeans/kmeans.md</a:t>
-            </a:r>
-            <a:endParaRPr lang="en-US" sz="1400" dirty="0">
-              <a:hlinkClick r:id="rId3"/>
-            </a:endParaRPr>
-          </a:p>
-          <a:p>
-            <a:r>
-              <a:rPr lang="en-US" sz="1400" dirty="0">
-                <a:hlinkClick r:id="rId3"/>
-              </a:rPr>
-              <a:t>https://github.com/parrt/msds689/blob/master/projects/featimp/featimp.md</a:t>
-            </a:r>
-            <a:endParaRPr lang="en-US" sz="1400" dirty="0"/>
-          </a:p>
-        </p:txBody>
-      </p:sp>
-    </p:spTree>
-    <p:extLst>
-      <p:ext uri="{BB962C8B-B14F-4D97-AF65-F5344CB8AC3E}">
-        <p14:creationId xmlns:p14="http://schemas.microsoft.com/office/powerpoint/2010/main" val="1369372679"/>
-      </p:ext>
-    </p:extLst>
-  </p:cSld>
-  <p:clrMapOvr>
-    <a:masterClrMapping/>
-  </p:clrMapOvr>
-</p:sld>
-</file>
-
-<file path=ppt/slides/slide5.xml><?xml version="1.0" encoding="utf-8"?>
-<p:sld xmlns:a="http://schemas.openxmlformats.org/drawingml/2006/main" xmlns:r="http://schemas.openxmlformats.org/officeDocument/2006/relationships" xmlns:p="http://schemas.openxmlformats.org/presentationml/2006/main">
-  <p:cSld>
-    <p:spTree>
-      <p:nvGrpSpPr>
-        <p:cNvPr id="1" name=""/>
-        <p:cNvGrpSpPr/>
-        <p:nvPr/>
-      </p:nvGrpSpPr>
-      <p:grpSpPr>
-        <a:xfrm>
-          <a:off x="0" y="0"/>
-          <a:ext cx="0" cy="0"/>
-          <a:chOff x="0" y="0"/>
-          <a:chExt cx="0" cy="0"/>
-        </a:xfrm>
-      </p:grpSpPr>
+              <a:t>Student evaluation</a:t>
+            </a:r>
+          </a:p>
+        </p:txBody>
+      </p:sp>
       <p:pic>
         <p:nvPicPr>
-          <p:cNvPr id="5" name="Picture 4" descr="Table&#10;&#10;Description automatically generated">
-            <a:extLst>
-              <a:ext uri="{FF2B5EF4-FFF2-40B4-BE49-F238E27FC236}">
-                <a16:creationId xmlns:a16="http://schemas.microsoft.com/office/drawing/2014/main" id="{45F87C48-C2E7-D644-B7B4-CB08766FBBDE}"/>
+          <p:cNvPr id="4" name="Picture 3">
+            <a:extLst>
+              <a:ext uri="{FF2B5EF4-FFF2-40B4-BE49-F238E27FC236}">
+                <a16:creationId xmlns:a16="http://schemas.microsoft.com/office/drawing/2014/main" id="{F45F9AED-4C59-7622-373F-CDEC14826110}"/>
               </a:ext>
             </a:extLst>
           </p:cNvPr>
@@ -4832,140 +4439,14 @@
         </p:blipFill>
         <p:spPr>
           <a:xfrm>
-            <a:off x="990600" y="1862378"/>
-            <a:ext cx="10210800" cy="3632200"/>
+            <a:off x="2219325" y="2028825"/>
+            <a:ext cx="7753350" cy="2800350"/>
           </a:xfrm>
           <a:prstGeom prst="rect">
             <a:avLst/>
           </a:prstGeom>
         </p:spPr>
       </p:pic>
-      <p:sp>
-        <p:nvSpPr>
-          <p:cNvPr id="2" name="Title 1"/>
-          <p:cNvSpPr>
-            <a:spLocks noGrp="1"/>
-          </p:cNvSpPr>
-          <p:nvPr>
-            <p:ph type="title"/>
-          </p:nvPr>
-        </p:nvSpPr>
-        <p:spPr/>
-        <p:txBody>
-          <a:bodyPr/>
-          <a:lstStyle/>
-          <a:p>
-            <a:r>
-              <a:rPr lang="en-US" dirty="0"/>
-              <a:t>Student evaluation</a:t>
-            </a:r>
-          </a:p>
-        </p:txBody>
-      </p:sp>
-      <p:sp>
-        <p:nvSpPr>
-          <p:cNvPr id="6" name="TextBox 5"/>
-          <p:cNvSpPr txBox="1"/>
-          <p:nvPr/>
-        </p:nvSpPr>
-        <p:spPr>
-          <a:xfrm>
-            <a:off x="5068111" y="5943600"/>
-            <a:ext cx="1826141" cy="369332"/>
-          </a:xfrm>
-          <a:prstGeom prst="rect">
-            <a:avLst/>
-          </a:prstGeom>
-          <a:noFill/>
-        </p:spPr>
-        <p:txBody>
-          <a:bodyPr wrap="none" rtlCol="0">
-            <a:spAutoFit/>
-          </a:bodyPr>
-          <a:lstStyle/>
-          <a:p>
-            <a:r>
-              <a:rPr lang="en-US" dirty="0"/>
-              <a:t>last day </a:t>
-            </a:r>
-            <a:r>
-              <a:rPr lang="en-US"/>
-              <a:t>of class</a:t>
-            </a:r>
-          </a:p>
-        </p:txBody>
-      </p:sp>
-      <p:cxnSp>
-        <p:nvCxnSpPr>
-          <p:cNvPr id="8" name="Straight Arrow Connector 7"/>
-          <p:cNvCxnSpPr>
-            <a:cxnSpLocks/>
-            <a:stCxn id="6" idx="3"/>
-          </p:cNvCxnSpPr>
-          <p:nvPr/>
-        </p:nvCxnSpPr>
-        <p:spPr>
-          <a:xfrm flipV="1">
-            <a:off x="6894252" y="5340485"/>
-            <a:ext cx="1092157" cy="787781"/>
-          </a:xfrm>
-          <a:prstGeom prst="straightConnector1">
-            <a:avLst/>
-          </a:prstGeom>
-          <a:ln>
-            <a:tailEnd type="triangle"/>
-          </a:ln>
-        </p:spPr>
-        <p:style>
-          <a:lnRef idx="1">
-            <a:schemeClr val="accent1"/>
-          </a:lnRef>
-          <a:fillRef idx="0">
-            <a:schemeClr val="accent1"/>
-          </a:fillRef>
-          <a:effectRef idx="0">
-            <a:schemeClr val="accent1"/>
-          </a:effectRef>
-          <a:fontRef idx="minor">
-            <a:schemeClr val="tx1"/>
-          </a:fontRef>
-        </p:style>
-      </p:cxnSp>
-      <p:sp>
-        <p:nvSpPr>
-          <p:cNvPr id="10" name="TextBox 9"/>
-          <p:cNvSpPr txBox="1"/>
-          <p:nvPr/>
-        </p:nvSpPr>
-        <p:spPr>
-          <a:xfrm>
-            <a:off x="6894252" y="732202"/>
-            <a:ext cx="4801314" cy="646331"/>
-          </a:xfrm>
-          <a:prstGeom prst="rect">
-            <a:avLst/>
-          </a:prstGeom>
-          <a:noFill/>
-        </p:spPr>
-        <p:txBody>
-          <a:bodyPr wrap="none" rtlCol="0">
-            <a:spAutoFit/>
-          </a:bodyPr>
-          <a:lstStyle/>
-          <a:p>
-            <a:r>
-              <a:rPr lang="en-US" i="1" dirty="0"/>
-              <a:t>Please note grading will take at least a week</a:t>
-            </a:r>
-          </a:p>
-          <a:p>
-            <a:r>
-              <a:rPr lang="en-US" i="1" dirty="0"/>
-              <a:t>for projects, but I’ll grade exams quickly</a:t>
-            </a:r>
-          </a:p>
-        </p:txBody>
-      </p:sp>
     </p:spTree>
     <p:extLst>
       <p:ext uri="{BB962C8B-B14F-4D97-AF65-F5344CB8AC3E}">
@@ -4979,208 +4460,7 @@
 </p:sld>
 </file>
 
-<file path=ppt/slides/slide6.xml><?xml version="1.0" encoding="utf-8"?>
-<p:sld xmlns:a="http://schemas.openxmlformats.org/drawingml/2006/main" xmlns:r="http://schemas.openxmlformats.org/officeDocument/2006/relationships" xmlns:p="http://schemas.openxmlformats.org/presentationml/2006/main">
-  <p:cSld>
-    <p:spTree>
-      <p:nvGrpSpPr>
-        <p:cNvPr id="1" name=""/>
-        <p:cNvGrpSpPr/>
-        <p:nvPr/>
-      </p:nvGrpSpPr>
-      <p:grpSpPr>
-        <a:xfrm>
-          <a:off x="0" y="0"/>
-          <a:ext cx="0" cy="0"/>
-          <a:chOff x="0" y="0"/>
-          <a:chExt cx="0" cy="0"/>
-        </a:xfrm>
-      </p:grpSpPr>
-      <p:sp>
-        <p:nvSpPr>
-          <p:cNvPr id="2" name="Title 1">
-            <a:extLst>
-              <a:ext uri="{FF2B5EF4-FFF2-40B4-BE49-F238E27FC236}">
-                <a16:creationId xmlns:a16="http://schemas.microsoft.com/office/drawing/2014/main" id="{39D82B8A-26B7-5F4E-8F31-2763F81C2F8E}"/>
-              </a:ext>
-            </a:extLst>
-          </p:cNvPr>
-          <p:cNvSpPr>
-            <a:spLocks noGrp="1"/>
-          </p:cNvSpPr>
-          <p:nvPr>
-            <p:ph type="title"/>
-          </p:nvPr>
-        </p:nvSpPr>
-        <p:spPr/>
-        <p:txBody>
-          <a:bodyPr/>
-          <a:lstStyle/>
-          <a:p>
-            <a:r>
-              <a:rPr lang="en-US" dirty="0" err="1"/>
-              <a:t>Kmeans</a:t>
-            </a:r>
-            <a:r>
-              <a:rPr lang="en-US" dirty="0"/>
-              <a:t> and feature importance projects</a:t>
-            </a:r>
-          </a:p>
-        </p:txBody>
-      </p:sp>
-      <p:pic>
-        <p:nvPicPr>
-          <p:cNvPr id="3074" name="Picture 2">
-            <a:extLst>
-              <a:ext uri="{FF2B5EF4-FFF2-40B4-BE49-F238E27FC236}">
-                <a16:creationId xmlns:a16="http://schemas.microsoft.com/office/drawing/2014/main" id="{1983B910-1DA6-2248-9F38-ABEDA3A79A4B}"/>
-              </a:ext>
-            </a:extLst>
-          </p:cNvPr>
-          <p:cNvPicPr>
-            <a:picLocks noChangeAspect="1" noChangeArrowheads="1"/>
-          </p:cNvPicPr>
-          <p:nvPr/>
-        </p:nvPicPr>
-        <p:blipFill>
-          <a:blip r:embed="rId2">
-            <a:extLst>
-              <a:ext uri="{28A0092B-C50C-407E-A947-70E740481C1C}">
-                <a14:useLocalDpi xmlns:a14="http://schemas.microsoft.com/office/drawing/2010/main" val="0"/>
-              </a:ext>
-            </a:extLst>
-          </a:blip>
-          <a:srcRect/>
-          <a:stretch>
-            <a:fillRect/>
-          </a:stretch>
-        </p:blipFill>
-        <p:spPr bwMode="auto">
-          <a:xfrm>
-            <a:off x="544713" y="2032672"/>
-            <a:ext cx="10942818" cy="2088824"/>
-          </a:xfrm>
-          <a:prstGeom prst="rect">
-            <a:avLst/>
-          </a:prstGeom>
-          <a:noFill/>
-          <a:ln>
-            <a:solidFill>
-              <a:srgbClr val="C00000"/>
-            </a:solidFill>
-          </a:ln>
-          <a:extLst>
-            <a:ext uri="{909E8E84-426E-40DD-AFC4-6F175D3DCCD1}">
-              <a14:hiddenFill xmlns:a14="http://schemas.microsoft.com/office/drawing/2010/main">
-                <a:solidFill>
-                  <a:srgbClr val="FFFFFF"/>
-                </a:solidFill>
-              </a14:hiddenFill>
-            </a:ext>
-          </a:extLst>
-        </p:spPr>
-      </p:pic>
-      <p:pic>
-        <p:nvPicPr>
-          <p:cNvPr id="3076" name="Picture 4">
-            <a:extLst>
-              <a:ext uri="{FF2B5EF4-FFF2-40B4-BE49-F238E27FC236}">
-                <a16:creationId xmlns:a16="http://schemas.microsoft.com/office/drawing/2014/main" id="{30BCC5BB-CC29-5548-8691-2A05FB5329D4}"/>
-              </a:ext>
-            </a:extLst>
-          </p:cNvPr>
-          <p:cNvPicPr>
-            <a:picLocks noChangeAspect="1" noChangeArrowheads="1"/>
-          </p:cNvPicPr>
-          <p:nvPr/>
-        </p:nvPicPr>
-        <p:blipFill>
-          <a:blip r:embed="rId3">
-            <a:extLst>
-              <a:ext uri="{28A0092B-C50C-407E-A947-70E740481C1C}">
-                <a14:useLocalDpi xmlns:a14="http://schemas.microsoft.com/office/drawing/2010/main" val="0"/>
-              </a:ext>
-            </a:extLst>
-          </a:blip>
-          <a:srcRect/>
-          <a:stretch>
-            <a:fillRect/>
-          </a:stretch>
-        </p:blipFill>
-        <p:spPr bwMode="auto">
-          <a:xfrm>
-            <a:off x="544713" y="4668969"/>
-            <a:ext cx="10655067" cy="428700"/>
-          </a:xfrm>
-          <a:prstGeom prst="rect">
-            <a:avLst/>
-          </a:prstGeom>
-          <a:noFill/>
-          <a:ln>
-            <a:solidFill>
-              <a:srgbClr val="C00000"/>
-            </a:solidFill>
-          </a:ln>
-          <a:extLst>
-            <a:ext uri="{909E8E84-426E-40DD-AFC4-6F175D3DCCD1}">
-              <a14:hiddenFill xmlns:a14="http://schemas.microsoft.com/office/drawing/2010/main">
-                <a:solidFill>
-                  <a:srgbClr val="FFFFFF"/>
-                </a:solidFill>
-              </a14:hiddenFill>
-            </a:ext>
-          </a:extLst>
-        </p:spPr>
-      </p:pic>
-      <p:sp>
-        <p:nvSpPr>
-          <p:cNvPr id="4" name="TextBox 3">
-            <a:extLst>
-              <a:ext uri="{FF2B5EF4-FFF2-40B4-BE49-F238E27FC236}">
-                <a16:creationId xmlns:a16="http://schemas.microsoft.com/office/drawing/2014/main" id="{C4350550-ACD0-384A-91CB-4680E8835953}"/>
-              </a:ext>
-            </a:extLst>
-          </p:cNvPr>
-          <p:cNvSpPr txBox="1"/>
-          <p:nvPr/>
-        </p:nvSpPr>
-        <p:spPr>
-          <a:xfrm>
-            <a:off x="3201618" y="1318094"/>
-            <a:ext cx="5788764" cy="430887"/>
-          </a:xfrm>
-          <a:prstGeom prst="rect">
-            <a:avLst/>
-          </a:prstGeom>
-          <a:noFill/>
-        </p:spPr>
-        <p:txBody>
-          <a:bodyPr wrap="none" rtlCol="0">
-            <a:spAutoFit/>
-          </a:bodyPr>
-          <a:lstStyle/>
-          <a:p>
-            <a:r>
-              <a:rPr lang="en-US" sz="2200" dirty="0"/>
-              <a:t>Practice writing and implementing algorithms</a:t>
-            </a:r>
-          </a:p>
-        </p:txBody>
-      </p:sp>
-    </p:spTree>
-    <p:extLst>
-      <p:ext uri="{BB962C8B-B14F-4D97-AF65-F5344CB8AC3E}">
-        <p14:creationId xmlns:p14="http://schemas.microsoft.com/office/powerpoint/2010/main" val="1546380639"/>
-      </p:ext>
-    </p:extLst>
-  </p:cSld>
-  <p:clrMapOvr>
-    <a:masterClrMapping/>
-  </p:clrMapOvr>
-</p:sld>
-</file>
-
-<file path=ppt/slides/slide7.xml><?xml version="1.0" encoding="utf-8"?>
+<file path=ppt/slides/slide5.xml><?xml version="1.0" encoding="utf-8"?>
 <p:sld xmlns:a="http://schemas.openxmlformats.org/drawingml/2006/main" xmlns:r="http://schemas.openxmlformats.org/officeDocument/2006/relationships" xmlns:p="http://schemas.openxmlformats.org/presentationml/2006/main">
   <p:cSld>
     <p:spTree>
@@ -5316,6 +4596,320 @@
 </p:sld>
 </file>
 
+<file path=ppt/slides/slide6.xml><?xml version="1.0" encoding="utf-8"?>
+<p:sld xmlns:a="http://schemas.openxmlformats.org/drawingml/2006/main" xmlns:r="http://schemas.openxmlformats.org/officeDocument/2006/relationships" xmlns:p="http://schemas.openxmlformats.org/presentationml/2006/main">
+  <p:cSld>
+    <p:spTree>
+      <p:nvGrpSpPr>
+        <p:cNvPr id="1" name=""/>
+        <p:cNvGrpSpPr/>
+        <p:nvPr/>
+      </p:nvGrpSpPr>
+      <p:grpSpPr>
+        <a:xfrm>
+          <a:off x="0" y="0"/>
+          <a:ext cx="0" cy="0"/>
+          <a:chOff x="0" y="0"/>
+          <a:chExt cx="0" cy="0"/>
+        </a:xfrm>
+      </p:grpSpPr>
+      <p:sp>
+        <p:nvSpPr>
+          <p:cNvPr id="2" name="Title 1"/>
+          <p:cNvSpPr>
+            <a:spLocks noGrp="1"/>
+          </p:cNvSpPr>
+          <p:nvPr>
+            <p:ph type="title"/>
+          </p:nvPr>
+        </p:nvSpPr>
+        <p:spPr/>
+        <p:txBody>
+          <a:bodyPr/>
+          <a:lstStyle/>
+          <a:p>
+            <a:r>
+              <a:rPr lang="en-US" dirty="0"/>
+              <a:t>Resources</a:t>
+            </a:r>
+          </a:p>
+        </p:txBody>
+      </p:sp>
+      <p:sp>
+        <p:nvSpPr>
+          <p:cNvPr id="3" name="Content Placeholder 2"/>
+          <p:cNvSpPr>
+            <a:spLocks noGrp="1"/>
+          </p:cNvSpPr>
+          <p:nvPr>
+            <p:ph idx="1"/>
+          </p:nvPr>
+        </p:nvSpPr>
+        <p:spPr/>
+        <p:txBody>
+          <a:bodyPr/>
+          <a:lstStyle/>
+          <a:p>
+            <a:r>
+              <a:rPr lang="en-US" dirty="0"/>
+              <a:t>A great free book on </a:t>
+            </a:r>
+            <a:r>
+              <a:rPr lang="en-US" dirty="0">
+                <a:hlinkClick r:id="rId2"/>
+              </a:rPr>
+              <a:t>algorithms by Jeff Erickson</a:t>
+            </a:r>
+            <a:endParaRPr lang="en-US" dirty="0"/>
+          </a:p>
+          <a:p>
+            <a:r>
+              <a:rPr lang="en-US" dirty="0"/>
+              <a:t>Kleinberg and </a:t>
+            </a:r>
+            <a:r>
+              <a:rPr lang="en-US" dirty="0" err="1"/>
+              <a:t>Tardos</a:t>
+            </a:r>
+            <a:r>
+              <a:rPr lang="en-US" dirty="0"/>
+              <a:t>, </a:t>
+            </a:r>
+            <a:r>
+              <a:rPr lang="en-US" i="1" dirty="0"/>
+              <a:t>Algorithm Design</a:t>
+            </a:r>
+            <a:endParaRPr lang="en-US" dirty="0"/>
+          </a:p>
+          <a:p>
+            <a:pPr lvl="1"/>
+            <a:r>
+              <a:rPr lang="en-US" dirty="0"/>
+              <a:t>Please see compressed pdf kleinberg-common-running-times.7z in Canvas course files area (do not post material publicly please)</a:t>
+            </a:r>
+          </a:p>
+          <a:p>
+            <a:r>
+              <a:rPr lang="en-US" dirty="0"/>
+              <a:t>A very useful set of </a:t>
+            </a:r>
+            <a:r>
+              <a:rPr lang="en-US" dirty="0">
+                <a:hlinkClick r:id="rId3" invalidUrl="https://github.com/shik3519/programming-concepts-for-data-science/blob/master/notebooks/03-common datastructures and algorithms.ipynb"/>
+              </a:rPr>
+              <a:t>programming-concepts-for-data-science</a:t>
+            </a:r>
+            <a:r>
+              <a:rPr lang="en-US" dirty="0"/>
+              <a:t> and </a:t>
+            </a:r>
+            <a:r>
+              <a:rPr lang="en-US" dirty="0">
+                <a:hlinkClick r:id="rId4" invalidUrl="https://github.com/shik3519/programming-concepts-for-data-science/blob/master/notebooks/04-coding questions for DS interview.ipynb"/>
+              </a:rPr>
+              <a:t>data science coding questions</a:t>
+            </a:r>
+            <a:r>
+              <a:rPr lang="en-US" dirty="0"/>
+              <a:t> by former USF MSDS student </a:t>
+            </a:r>
+            <a:r>
+              <a:rPr lang="en-US" dirty="0">
+                <a:hlinkClick r:id="rId5"/>
+              </a:rPr>
+              <a:t>Shikhar Gupta</a:t>
+            </a:r>
+            <a:endParaRPr lang="en-US" dirty="0"/>
+          </a:p>
+          <a:p>
+            <a:r>
+              <a:rPr lang="en-US" dirty="0">
+                <a:hlinkClick r:id="rId6"/>
+              </a:rPr>
+              <a:t>10 steps to solving a programming problem</a:t>
+            </a:r>
+            <a:endParaRPr lang="en-US" dirty="0"/>
+          </a:p>
+          <a:p>
+            <a:r>
+              <a:rPr lang="en-US" dirty="0"/>
+              <a:t>Review </a:t>
+            </a:r>
+            <a:r>
+              <a:rPr lang="en-US" dirty="0">
+                <a:hlinkClick r:id="rId7"/>
+              </a:rPr>
+              <a:t>OO notebook</a:t>
+            </a:r>
+            <a:r>
+              <a:rPr lang="en-US" dirty="0"/>
+              <a:t> and </a:t>
+            </a:r>
+            <a:r>
+              <a:rPr lang="en-US" dirty="0">
+                <a:hlinkClick r:id="rId8"/>
+              </a:rPr>
+              <a:t>Operator overloading notebook</a:t>
+            </a:r>
+            <a:endParaRPr lang="en-US" dirty="0"/>
+          </a:p>
+        </p:txBody>
+      </p:sp>
+    </p:spTree>
+    <p:extLst>
+      <p:ext uri="{BB962C8B-B14F-4D97-AF65-F5344CB8AC3E}">
+        <p14:creationId xmlns:p14="http://schemas.microsoft.com/office/powerpoint/2010/main" val="2001692772"/>
+      </p:ext>
+    </p:extLst>
+  </p:cSld>
+  <p:clrMapOvr>
+    <a:masterClrMapping/>
+  </p:clrMapOvr>
+</p:sld>
+</file>
+
+<file path=ppt/slides/slide7.xml><?xml version="1.0" encoding="utf-8"?>
+<p:sld xmlns:a="http://schemas.openxmlformats.org/drawingml/2006/main" xmlns:r="http://schemas.openxmlformats.org/officeDocument/2006/relationships" xmlns:p="http://schemas.openxmlformats.org/presentationml/2006/main">
+  <p:cSld>
+    <p:spTree>
+      <p:nvGrpSpPr>
+        <p:cNvPr id="1" name=""/>
+        <p:cNvGrpSpPr/>
+        <p:nvPr/>
+      </p:nvGrpSpPr>
+      <p:grpSpPr>
+        <a:xfrm>
+          <a:off x="0" y="0"/>
+          <a:ext cx="0" cy="0"/>
+          <a:chOff x="0" y="0"/>
+          <a:chExt cx="0" cy="0"/>
+        </a:xfrm>
+      </p:grpSpPr>
+      <p:sp>
+        <p:nvSpPr>
+          <p:cNvPr id="2" name="Title 1"/>
+          <p:cNvSpPr>
+            <a:spLocks noGrp="1"/>
+          </p:cNvSpPr>
+          <p:nvPr>
+            <p:ph type="title"/>
+          </p:nvPr>
+        </p:nvSpPr>
+        <p:spPr/>
+        <p:txBody>
+          <a:bodyPr/>
+          <a:lstStyle/>
+          <a:p>
+            <a:r>
+              <a:rPr lang="en-US" dirty="0" err="1"/>
+              <a:t>Administrivia</a:t>
+            </a:r>
+            <a:endParaRPr lang="en-US" dirty="0"/>
+          </a:p>
+        </p:txBody>
+      </p:sp>
+      <p:sp>
+        <p:nvSpPr>
+          <p:cNvPr id="3" name="Content Placeholder 2"/>
+          <p:cNvSpPr>
+            <a:spLocks noGrp="1"/>
+          </p:cNvSpPr>
+          <p:nvPr>
+            <p:ph idx="1"/>
+          </p:nvPr>
+        </p:nvSpPr>
+        <p:spPr/>
+        <p:txBody>
+          <a:bodyPr>
+            <a:normAutofit lnSpcReduction="10000"/>
+          </a:bodyPr>
+          <a:lstStyle/>
+          <a:p>
+            <a:r>
+              <a:rPr lang="en-US" dirty="0"/>
+              <a:t>The usual academic honesty rules will be enforced; in projects, reports, exams or any other artifact; </a:t>
+            </a:r>
+            <a:r>
+              <a:rPr lang="en-US" dirty="0">
+                <a:hlinkClick r:id="rId2"/>
+              </a:rPr>
+              <a:t>Honor Code</a:t>
+            </a:r>
+            <a:endParaRPr lang="en-US" dirty="0"/>
+          </a:p>
+          <a:p>
+            <a:pPr lvl="1"/>
+            <a:r>
+              <a:rPr lang="en-US" dirty="0"/>
+              <a:t>Do not represent another person’s work as your own</a:t>
+            </a:r>
+          </a:p>
+          <a:p>
+            <a:pPr lvl="1"/>
+            <a:r>
+              <a:rPr lang="en-US" dirty="0"/>
+              <a:t>Don’t leave your laptop unattended/unlocked; others can take a picture of your code or simply use a USB key quickly</a:t>
+            </a:r>
+          </a:p>
+          <a:p>
+            <a:r>
+              <a:rPr lang="en-US" dirty="0"/>
+              <a:t>Students with Disabilities</a:t>
+            </a:r>
+          </a:p>
+          <a:p>
+            <a:pPr lvl="1"/>
+            <a:r>
+              <a:rPr lang="en-US" dirty="0"/>
+              <a:t>If you are a student with a disability or disabling condition, or if you think you may have a disability, please contact USF </a:t>
+            </a:r>
+            <a:r>
+              <a:rPr lang="en-US" dirty="0">
+                <a:hlinkClick r:id="rId3"/>
+              </a:rPr>
+              <a:t>Student Disability Services</a:t>
+            </a:r>
+            <a:r>
+              <a:rPr lang="en-US" dirty="0"/>
+              <a:t> (SDS) for information about accommodations.</a:t>
+            </a:r>
+          </a:p>
+          <a:p>
+            <a:pPr lvl="1"/>
+            <a:r>
+              <a:rPr lang="en-US" dirty="0"/>
+              <a:t>If you are sick, please let us know beforehand, not after-the-fact</a:t>
+            </a:r>
+          </a:p>
+          <a:p>
+            <a:pPr lvl="1"/>
+            <a:r>
+              <a:rPr lang="en-US" dirty="0"/>
+              <a:t>More details on the course syllabus: </a:t>
+            </a:r>
+            <a:r>
+              <a:rPr lang="en-US" dirty="0">
+                <a:hlinkClick r:id="rId4"/>
+              </a:rPr>
+              <a:t>https://github.com/USFCA-MSDS/msds689</a:t>
+            </a:r>
+            <a:endParaRPr lang="en-US" dirty="0"/>
+          </a:p>
+        </p:txBody>
+      </p:sp>
+    </p:spTree>
+    <p:extLst>
+      <p:ext uri="{BB962C8B-B14F-4D97-AF65-F5344CB8AC3E}">
+        <p14:creationId xmlns:p14="http://schemas.microsoft.com/office/powerpoint/2010/main" val="421582279"/>
+      </p:ext>
+    </p:extLst>
+  </p:cSld>
+  <p:clrMapOvr>
+    <a:masterClrMapping/>
+  </p:clrMapOvr>
+</p:sld>
+</file>
+
 <file path=ppt/slides/slide8.xml><?xml version="1.0" encoding="utf-8"?>
 <p:sld xmlns:a="http://schemas.openxmlformats.org/drawingml/2006/main" xmlns:r="http://schemas.openxmlformats.org/officeDocument/2006/relationships" xmlns:p="http://schemas.openxmlformats.org/presentationml/2006/main">
   <p:cSld>
@@ -5350,7 +4944,7 @@
           <a:p>
             <a:r>
               <a:rPr lang="en-US" dirty="0"/>
-              <a:t>Resources</a:t>
+              <a:t>Why this course, why now?</a:t>
             </a:r>
           </a:p>
         </p:txBody>
@@ -5367,118 +4961,46 @@
         </p:nvSpPr>
         <p:spPr/>
         <p:txBody>
-          <a:bodyPr/>
+          <a:bodyPr>
+            <a:normAutofit fontScale="92500"/>
+          </a:bodyPr>
           <a:lstStyle/>
           <a:p>
             <a:r>
               <a:rPr lang="en-US" dirty="0"/>
-              <a:t>A great free book on </a:t>
-            </a:r>
-            <a:r>
-              <a:rPr lang="en-US" dirty="0">
-                <a:hlinkClick r:id="rId2"/>
-              </a:rPr>
-              <a:t>algorithms by Jeff Erickson</a:t>
-            </a:r>
-            <a:endParaRPr lang="en-US" dirty="0"/>
+              <a:t>At least for the moment, many of the people interviewing you will be programmers, pretending to be data scientists</a:t>
+            </a:r>
           </a:p>
           <a:p>
             <a:r>
               <a:rPr lang="en-US" dirty="0"/>
-              <a:t>Kleinberg and </a:t>
-            </a:r>
-            <a:r>
-              <a:rPr lang="en-US" dirty="0" err="1"/>
-              <a:t>Tardos</a:t>
-            </a:r>
+              <a:t>What do they know? Programming, data structures, and algorithms</a:t>
+            </a:r>
+          </a:p>
+          <a:p>
             <a:r>
               <a:rPr lang="en-US" dirty="0"/>
-              <a:t>, </a:t>
-            </a:r>
-            <a:r>
-              <a:rPr lang="en-US" i="1" dirty="0"/>
-              <a:t>Algorithm Design</a:t>
-            </a:r>
-            <a:endParaRPr lang="en-US" dirty="0"/>
-          </a:p>
-          <a:p>
-            <a:pPr lvl="1"/>
+              <a:t>Being able to organize data within a machine or across machines is a key skill for a data scientist</a:t>
+            </a:r>
+          </a:p>
+          <a:p>
             <a:r>
               <a:rPr lang="en-US" dirty="0"/>
-              <a:t>Please see compressed pdf kleinberg-common-running-times.7z in Canvas course files area (do not post material publicly please)</a:t>
+              <a:t>The larger the data, the more critical it is to understand how to measure algorithm performance and how to design efficient solutions</a:t>
             </a:r>
           </a:p>
           <a:p>
             <a:r>
               <a:rPr lang="en-US" dirty="0"/>
-              <a:t>A very useful set of </a:t>
-            </a:r>
-            <a:r>
-              <a:rPr lang="en-US" dirty="0">
-                <a:hlinkClick r:id="rId3" invalidUrl="https://github.com/shik3519/programming-concepts-for-data-science/blob/master/notebooks/03-common datastructures and algorithms.ipynb"/>
-              </a:rPr>
-              <a:t>programming-concepts-for-data-science</a:t>
-            </a:r>
-            <a:r>
-              <a:rPr lang="en-US" dirty="0"/>
-              <a:t> and </a:t>
-            </a:r>
-            <a:r>
-              <a:rPr lang="en-US" dirty="0">
-                <a:hlinkClick r:id="rId4" invalidUrl="https://github.com/shik3519/programming-concepts-for-data-science/blob/master/notebooks/04-coding questions for DS interview.ipynb"/>
-              </a:rPr>
-              <a:t>data science coding questions</a:t>
-            </a:r>
-            <a:r>
-              <a:rPr lang="en-US" dirty="0"/>
-              <a:t> by former USF MSDS student </a:t>
-            </a:r>
-            <a:r>
-              <a:rPr lang="en-US" dirty="0">
-                <a:hlinkClick r:id="rId5"/>
-              </a:rPr>
-              <a:t>Shikhar Gupta</a:t>
-            </a:r>
-            <a:endParaRPr lang="en-US" dirty="0"/>
-          </a:p>
-          <a:p>
-            <a:r>
-              <a:rPr lang="en-US" dirty="0">
-                <a:hlinkClick r:id="rId6"/>
-              </a:rPr>
-              <a:t>10 steps to solving a programming problem</a:t>
-            </a:r>
-            <a:endParaRPr lang="en-US" dirty="0"/>
-          </a:p>
-          <a:p>
-            <a:r>
-              <a:rPr lang="en-US" dirty="0"/>
-              <a:t>Review </a:t>
-            </a:r>
-            <a:r>
-              <a:rPr lang="en-US" dirty="0">
-                <a:hlinkClick r:id="rId7"/>
-              </a:rPr>
-              <a:t>OO notebook</a:t>
-            </a:r>
-            <a:r>
-              <a:rPr lang="en-US" dirty="0"/>
-              <a:t> and </a:t>
-            </a:r>
-            <a:r>
-              <a:rPr lang="en-US" dirty="0">
-                <a:hlinkClick r:id="rId8"/>
-              </a:rPr>
-              <a:t>Operator overloading notebook</a:t>
-            </a:r>
-            <a:endParaRPr lang="en-US" dirty="0"/>
+              <a:t>Optimally, you'd get this course much earlier, but the timing is good for your interviewing and was only spot we could jam this course in</a:t>
+            </a:r>
           </a:p>
         </p:txBody>
       </p:sp>
     </p:spTree>
     <p:extLst>
       <p:ext uri="{BB962C8B-B14F-4D97-AF65-F5344CB8AC3E}">
-        <p14:creationId xmlns:p14="http://schemas.microsoft.com/office/powerpoint/2010/main" val="2001692772"/>
+        <p14:creationId xmlns:p14="http://schemas.microsoft.com/office/powerpoint/2010/main" val="283662686"/>
       </p:ext>
     </p:extLst>
   </p:cSld>
@@ -5507,7 +5029,13 @@
       </p:grpSpPr>
       <p:sp>
         <p:nvSpPr>
-          <p:cNvPr id="2" name="Title 1"/>
+          <p:cNvPr id="2" name="Title 1">
+            <a:extLst>
+              <a:ext uri="{FF2B5EF4-FFF2-40B4-BE49-F238E27FC236}">
+                <a16:creationId xmlns:a16="http://schemas.microsoft.com/office/drawing/2014/main" id="{9BBBCF96-25AA-2749-8534-EA1EB2BC8095}"/>
+              </a:ext>
+            </a:extLst>
+          </p:cNvPr>
           <p:cNvSpPr>
             <a:spLocks noGrp="1"/>
           </p:cNvSpPr>
@@ -5521,95 +5049,80 @@
           <a:lstStyle/>
           <a:p>
             <a:r>
-              <a:rPr lang="en-US" dirty="0" err="1"/>
-              <a:t>Administrivia</a:t>
-            </a:r>
+              <a:rPr lang="en-US" dirty="0"/>
+              <a:t>How to get a job</a:t>
+            </a:r>
+          </a:p>
+        </p:txBody>
+      </p:sp>
+      <p:sp>
+        <p:nvSpPr>
+          <p:cNvPr id="3" name="Content Placeholder 2">
+            <a:extLst>
+              <a:ext uri="{FF2B5EF4-FFF2-40B4-BE49-F238E27FC236}">
+                <a16:creationId xmlns:a16="http://schemas.microsoft.com/office/drawing/2014/main" id="{CDCEDE7F-D038-AC4C-A6AA-55B52F04C47A}"/>
+              </a:ext>
+            </a:extLst>
+          </p:cNvPr>
+          <p:cNvSpPr>
+            <a:spLocks noGrp="1"/>
+          </p:cNvSpPr>
+          <p:nvPr>
+            <p:ph idx="1"/>
+          </p:nvPr>
+        </p:nvSpPr>
+        <p:spPr/>
+        <p:txBody>
+          <a:bodyPr/>
+          <a:lstStyle/>
+          <a:p>
+            <a:pPr marL="514350" indent="-514350">
+              <a:buFont typeface="+mj-lt"/>
+              <a:buAutoNum type="arabicPeriod"/>
+            </a:pPr>
+            <a:r>
+              <a:rPr lang="en-US" dirty="0"/>
+              <a:t>Be accomplished, be interesting</a:t>
+            </a:r>
+          </a:p>
+          <a:p>
+            <a:pPr marL="514350" indent="-514350">
+              <a:buFont typeface="+mj-lt"/>
+              <a:buAutoNum type="arabicPeriod"/>
+            </a:pPr>
+            <a:r>
+              <a:rPr lang="en-US" dirty="0"/>
+              <a:t>Know lots of people</a:t>
+            </a:r>
+          </a:p>
+          <a:p>
+            <a:pPr marL="514350" indent="-514350">
+              <a:buFont typeface="+mj-lt"/>
+              <a:buAutoNum type="arabicPeriod"/>
+            </a:pPr>
+            <a:r>
+              <a:rPr lang="en-US" dirty="0"/>
+              <a:t>Mine social network looking for job</a:t>
+            </a:r>
+          </a:p>
+          <a:p>
             <a:endParaRPr lang="en-US" dirty="0"/>
           </a:p>
-        </p:txBody>
-      </p:sp>
-      <p:sp>
-        <p:nvSpPr>
-          <p:cNvPr id="3" name="Content Placeholder 2"/>
-          <p:cNvSpPr>
-            <a:spLocks noGrp="1"/>
-          </p:cNvSpPr>
-          <p:nvPr>
-            <p:ph idx="1"/>
-          </p:nvPr>
-        </p:nvSpPr>
-        <p:spPr/>
-        <p:txBody>
-          <a:bodyPr/>
-          <a:lstStyle/>
           <a:p>
             <a:r>
               <a:rPr lang="en-US" dirty="0"/>
-              <a:t>The usual academic honesty rules will be enforced; in projects, reports, exams or any other artifact; </a:t>
-            </a:r>
-            <a:r>
-              <a:rPr lang="en-US" dirty="0">
-                <a:hlinkClick r:id="rId2"/>
-              </a:rPr>
-              <a:t>Honor Code</a:t>
-            </a:r>
-            <a:endParaRPr lang="en-US" dirty="0"/>
+              <a:t>When that fails or simultaneously</a:t>
+            </a:r>
           </a:p>
           <a:p>
             <a:pPr lvl="1"/>
             <a:r>
               <a:rPr lang="en-US" dirty="0"/>
-              <a:t>Do not represent another person’s work as your own</a:t>
-            </a:r>
-          </a:p>
-          <a:p>
-            <a:pPr lvl="1"/>
-            <a:r>
-              <a:rPr lang="en-US" dirty="0"/>
-              <a:t>Don’t leave your laptop unattended/unlocked; others can take a picture of your code or simply use a USB key quickly</a:t>
-            </a:r>
-          </a:p>
-          <a:p>
-            <a:r>
-              <a:rPr lang="en-US" dirty="0"/>
-              <a:t>Students with Disabilities</a:t>
-            </a:r>
-          </a:p>
-          <a:p>
-            <a:pPr lvl="1"/>
-            <a:r>
-              <a:rPr lang="en-US" dirty="0"/>
-              <a:t>If you are a student with a disability or disabling condition, or if you think you may have a disability, please contact USF </a:t>
-            </a:r>
-            <a:r>
-              <a:rPr lang="en-US" dirty="0">
-                <a:hlinkClick r:id="rId3"/>
-              </a:rPr>
-              <a:t>Student Disability Services</a:t>
-            </a:r>
-            <a:r>
-              <a:rPr lang="en-US" dirty="0"/>
-              <a:t> (SDS) for information about accommodations.</a:t>
-            </a:r>
-          </a:p>
-          <a:p>
-            <a:pPr lvl="1"/>
-            <a:r>
-              <a:rPr lang="en-US" dirty="0"/>
-              <a:t>If you are sick, please let us know beforehand, not after-the-fact</a:t>
-            </a:r>
-          </a:p>
-          <a:p>
-            <a:pPr lvl="1"/>
-            <a:r>
-              <a:rPr lang="en-US" dirty="0"/>
-              <a:t>More details on the course syllabus: </a:t>
-            </a:r>
-            <a:r>
-              <a:rPr lang="en-US" dirty="0">
-                <a:hlinkClick r:id="rId4"/>
-              </a:rPr>
-              <a:t>https://github.com/parrt/msds689</a:t>
+              <a:t>Cold apply to jobs via </a:t>
+            </a:r>
+            <a:r>
+              <a:rPr lang="en-US"/>
+              <a:t>the web (a lot!)</a:t>
             </a:r>
             <a:endParaRPr lang="en-US" dirty="0"/>
           </a:p>
@@ -5618,7 +5131,7 @@
     </p:spTree>
     <p:extLst>
       <p:ext uri="{BB962C8B-B14F-4D97-AF65-F5344CB8AC3E}">
-        <p14:creationId xmlns:p14="http://schemas.microsoft.com/office/powerpoint/2010/main" val="421582279"/>
+        <p14:creationId xmlns:p14="http://schemas.microsoft.com/office/powerpoint/2010/main" val="852383661"/>
       </p:ext>
     </p:extLst>
   </p:cSld>
